--- a/Slides/Week 08 Software Design.pptx
+++ b/Slides/Week 08 Software Design.pptx
@@ -237,7 +237,7 @@
           <a:p>
             <a:fld id="{0FEC1AAB-5E7C-43B3-93F1-3B00C2708E32}" type="datetimeFigureOut">
               <a:rPr lang="th-TH" smtClean="0"/>
-              <a:t>01/10/61</a:t>
+              <a:t>04/10/62</a:t>
             </a:fld>
             <a:endParaRPr lang="th-TH"/>
           </a:p>
@@ -415,7 +415,7 @@
           <a:p>
             <a:fld id="{5B1B5456-0566-42F4-BCC8-DF5300E15663}" type="datetimeFigureOut">
               <a:rPr lang="th-TH" smtClean="0"/>
-              <a:t>01/10/61</a:t>
+              <a:t>04/10/62</a:t>
             </a:fld>
             <a:endParaRPr lang="th-TH"/>
           </a:p>
@@ -1133,7 +1133,7 @@
           <a:p>
             <a:r>
               <a:rPr lang="th-TH"/>
-              <a:t>2561.10.02</a:t>
+              <a:t>2562.10.04</a:t>
             </a:r>
           </a:p>
         </p:txBody>
@@ -1306,7 +1306,7 @@
           <a:p>
             <a:r>
               <a:rPr lang="th-TH"/>
-              <a:t>2561.10.02</a:t>
+              <a:t>2562.10.04</a:t>
             </a:r>
           </a:p>
         </p:txBody>
@@ -1489,7 +1489,7 @@
           <a:p>
             <a:r>
               <a:rPr lang="th-TH"/>
-              <a:t>2561.10.02</a:t>
+              <a:t>2562.10.04</a:t>
             </a:r>
           </a:p>
         </p:txBody>
@@ -1727,7 +1727,7 @@
           <a:p>
             <a:r>
               <a:rPr lang="th-TH"/>
-              <a:t>2561.10.02</a:t>
+              <a:t>2562.10.04</a:t>
             </a:r>
             <a:endParaRPr lang="th-TH" dirty="0"/>
           </a:p>
@@ -1998,7 +1998,7 @@
           <a:p>
             <a:r>
               <a:rPr lang="th-TH"/>
-              <a:t>2561.10.02</a:t>
+              <a:t>2562.10.04</a:t>
             </a:r>
           </a:p>
         </p:txBody>
@@ -2239,7 +2239,7 @@
           <a:p>
             <a:r>
               <a:rPr lang="th-TH"/>
-              <a:t>2561.10.02</a:t>
+              <a:t>2562.10.04</a:t>
             </a:r>
           </a:p>
         </p:txBody>
@@ -2609,7 +2609,7 @@
           <a:p>
             <a:r>
               <a:rPr lang="th-TH"/>
-              <a:t>2561.10.02</a:t>
+              <a:t>2562.10.04</a:t>
             </a:r>
           </a:p>
         </p:txBody>
@@ -2735,7 +2735,7 @@
           <a:p>
             <a:r>
               <a:rPr lang="th-TH"/>
-              <a:t>2561.10.02</a:t>
+              <a:t>2562.10.04</a:t>
             </a:r>
           </a:p>
         </p:txBody>
@@ -2833,7 +2833,7 @@
           <a:p>
             <a:r>
               <a:rPr lang="th-TH"/>
-              <a:t>2561.10.02</a:t>
+              <a:t>2562.10.04</a:t>
             </a:r>
           </a:p>
         </p:txBody>
@@ -3113,7 +3113,7 @@
           <a:p>
             <a:r>
               <a:rPr lang="th-TH"/>
-              <a:t>2561.10.02</a:t>
+              <a:t>2562.10.04</a:t>
             </a:r>
           </a:p>
         </p:txBody>
@@ -3373,7 +3373,7 @@
           <a:p>
             <a:r>
               <a:rPr lang="th-TH"/>
-              <a:t>2561.10.02</a:t>
+              <a:t>2562.10.04</a:t>
             </a:r>
           </a:p>
         </p:txBody>
@@ -3589,7 +3589,7 @@
           <a:p>
             <a:r>
               <a:rPr lang="th-TH"/>
-              <a:t>2561.10.02</a:t>
+              <a:t>2562.10.04</a:t>
             </a:r>
           </a:p>
         </p:txBody>
@@ -4329,7 +4329,7 @@
           <a:p>
             <a:r>
               <a:rPr lang="th-TH"/>
-              <a:t>2561.10.02</a:t>
+              <a:t>2562.10.04</a:t>
             </a:r>
             <a:endParaRPr lang="th-TH" dirty="0"/>
           </a:p>
@@ -4532,7 +4532,7 @@
           <a:p>
             <a:r>
               <a:rPr lang="th-TH"/>
-              <a:t>2561.10.02</a:t>
+              <a:t>2562.10.04</a:t>
             </a:r>
             <a:endParaRPr lang="th-TH" dirty="0"/>
           </a:p>
@@ -4711,7 +4711,7 @@
           <a:p>
             <a:r>
               <a:rPr lang="th-TH"/>
-              <a:t>2561.10.02</a:t>
+              <a:t>2562.10.04</a:t>
             </a:r>
           </a:p>
         </p:txBody>
@@ -4937,7 +4937,7 @@
           <a:p>
             <a:r>
               <a:rPr lang="th-TH"/>
-              <a:t>2561.10.02</a:t>
+              <a:t>2562.10.04</a:t>
             </a:r>
             <a:endParaRPr lang="th-TH" dirty="0"/>
           </a:p>
@@ -5551,7 +5551,7 @@
           <a:p>
             <a:r>
               <a:rPr lang="th-TH"/>
-              <a:t>2561.10.02</a:t>
+              <a:t>2562.10.04</a:t>
             </a:r>
             <a:endParaRPr lang="th-TH" dirty="0"/>
           </a:p>
@@ -5731,7 +5731,7 @@
           <a:p>
             <a:r>
               <a:rPr lang="th-TH"/>
-              <a:t>2561.10.02</a:t>
+              <a:t>2562.10.04</a:t>
             </a:r>
             <a:endParaRPr lang="th-TH" dirty="0"/>
           </a:p>
@@ -6016,7 +6016,7 @@
           <a:p>
             <a:r>
               <a:rPr lang="th-TH"/>
-              <a:t>2561.10.02</a:t>
+              <a:t>2562.10.04</a:t>
             </a:r>
             <a:endParaRPr lang="th-TH" dirty="0"/>
           </a:p>
@@ -6195,7 +6195,7 @@
           <a:p>
             <a:r>
               <a:rPr lang="th-TH"/>
-              <a:t>2561.10.02</a:t>
+              <a:t>2562.10.04</a:t>
             </a:r>
             <a:endParaRPr lang="th-TH" dirty="0"/>
           </a:p>
@@ -6638,7 +6638,7 @@
           <a:p>
             <a:r>
               <a:rPr lang="th-TH"/>
-              <a:t>2561.10.02</a:t>
+              <a:t>2562.10.04</a:t>
             </a:r>
             <a:endParaRPr lang="th-TH" dirty="0"/>
           </a:p>
@@ -7026,7 +7026,7 @@
           <a:p>
             <a:r>
               <a:rPr lang="th-TH"/>
-              <a:t>2561.10.02</a:t>
+              <a:t>2562.10.04</a:t>
             </a:r>
             <a:endParaRPr lang="th-TH" dirty="0"/>
           </a:p>
@@ -7246,7 +7246,7 @@
           <a:p>
             <a:r>
               <a:rPr lang="th-TH"/>
-              <a:t>2561.10.02</a:t>
+              <a:t>2562.10.04</a:t>
             </a:r>
             <a:endParaRPr lang="th-TH" dirty="0"/>
           </a:p>
@@ -7425,7 +7425,7 @@
           <a:p>
             <a:r>
               <a:rPr lang="th-TH"/>
-              <a:t>2561.10.02</a:t>
+              <a:t>2562.10.04</a:t>
             </a:r>
             <a:endParaRPr lang="th-TH" dirty="0"/>
           </a:p>
@@ -7696,7 +7696,7 @@
           <a:p>
             <a:r>
               <a:rPr lang="th-TH"/>
-              <a:t>2561.10.02</a:t>
+              <a:t>2562.10.04</a:t>
             </a:r>
             <a:endParaRPr lang="th-TH" dirty="0"/>
           </a:p>
@@ -7843,7 +7843,7 @@
           <a:p>
             <a:r>
               <a:rPr lang="th-TH"/>
-              <a:t>2561.10.02</a:t>
+              <a:t>2562.10.04</a:t>
             </a:r>
             <a:endParaRPr lang="th-TH" dirty="0"/>
           </a:p>
@@ -8477,7 +8477,7 @@
           <a:p>
             <a:r>
               <a:rPr lang="th-TH"/>
-              <a:t>2561.10.02</a:t>
+              <a:t>2562.10.04</a:t>
             </a:r>
             <a:endParaRPr lang="th-TH" dirty="0"/>
           </a:p>
@@ -8663,7 +8663,7 @@
           <a:p>
             <a:r>
               <a:rPr lang="th-TH"/>
-              <a:t>2561.10.02</a:t>
+              <a:t>2562.10.04</a:t>
             </a:r>
             <a:endParaRPr lang="th-TH" dirty="0"/>
           </a:p>
@@ -9092,7 +9092,7 @@
           <a:p>
             <a:r>
               <a:rPr lang="th-TH"/>
-              <a:t>2561.10.02</a:t>
+              <a:t>2562.10.04</a:t>
             </a:r>
             <a:endParaRPr lang="th-TH" dirty="0"/>
           </a:p>
@@ -9239,7 +9239,7 @@
           <a:p>
             <a:r>
               <a:rPr lang="th-TH"/>
-              <a:t>2561.10.02</a:t>
+              <a:t>2562.10.04</a:t>
             </a:r>
             <a:endParaRPr lang="th-TH" dirty="0"/>
           </a:p>
@@ -9871,7 +9871,7 @@
           <a:p>
             <a:r>
               <a:rPr lang="th-TH"/>
-              <a:t>2561.10.02</a:t>
+              <a:t>2562.10.04</a:t>
             </a:r>
             <a:endParaRPr lang="th-TH" dirty="0"/>
           </a:p>
@@ -10058,7 +10058,7 @@
           <a:p>
             <a:r>
               <a:rPr lang="th-TH"/>
-              <a:t>2561.10.02</a:t>
+              <a:t>2562.10.04</a:t>
             </a:r>
             <a:endParaRPr lang="th-TH" dirty="0"/>
           </a:p>
@@ -10308,7 +10308,7 @@
           <a:p>
             <a:r>
               <a:rPr lang="th-TH"/>
-              <a:t>2561.10.02</a:t>
+              <a:t>2562.10.04</a:t>
             </a:r>
             <a:endParaRPr lang="th-TH" dirty="0"/>
           </a:p>
@@ -10693,7 +10693,7 @@
           <a:p>
             <a:r>
               <a:rPr lang="th-TH"/>
-              <a:t>2561.10.02</a:t>
+              <a:t>2562.10.04</a:t>
             </a:r>
             <a:endParaRPr lang="th-TH" dirty="0"/>
           </a:p>
@@ -10839,7 +10839,7 @@
           <a:p>
             <a:r>
               <a:rPr lang="th-TH"/>
-              <a:t>2561.10.02</a:t>
+              <a:t>2562.10.04</a:t>
             </a:r>
             <a:endParaRPr lang="th-TH" dirty="0"/>
           </a:p>
@@ -11511,7 +11511,7 @@
           <a:p>
             <a:r>
               <a:rPr lang="th-TH"/>
-              <a:t>2561.10.02</a:t>
+              <a:t>2562.10.04</a:t>
             </a:r>
             <a:endParaRPr lang="th-TH" dirty="0"/>
           </a:p>
@@ -11958,7 +11958,7 @@
           <a:p>
             <a:r>
               <a:rPr lang="th-TH"/>
-              <a:t>2561.10.02</a:t>
+              <a:t>2562.10.04</a:t>
             </a:r>
             <a:endParaRPr lang="th-TH" dirty="0"/>
           </a:p>
@@ -12105,7 +12105,7 @@
           <a:p>
             <a:r>
               <a:rPr lang="th-TH"/>
-              <a:t>2561.10.02</a:t>
+              <a:t>2562.10.04</a:t>
             </a:r>
             <a:endParaRPr lang="th-TH" dirty="0"/>
           </a:p>
@@ -12777,7 +12777,7 @@
           <a:p>
             <a:r>
               <a:rPr lang="th-TH"/>
-              <a:t>2561.10.02</a:t>
+              <a:t>2562.10.04</a:t>
             </a:r>
             <a:endParaRPr lang="th-TH" dirty="0"/>
           </a:p>
@@ -13182,7 +13182,7 @@
           <a:p>
             <a:r>
               <a:rPr lang="th-TH"/>
-              <a:t>2561.10.02</a:t>
+              <a:t>2562.10.04</a:t>
             </a:r>
             <a:endParaRPr lang="th-TH" dirty="0"/>
           </a:p>
@@ -13329,7 +13329,7 @@
           <a:p>
             <a:r>
               <a:rPr lang="th-TH"/>
-              <a:t>2561.10.02</a:t>
+              <a:t>2562.10.04</a:t>
             </a:r>
             <a:endParaRPr lang="th-TH" dirty="0"/>
           </a:p>
@@ -14025,7 +14025,7 @@
           <a:p>
             <a:r>
               <a:rPr lang="th-TH"/>
-              <a:t>2561.10.02</a:t>
+              <a:t>2562.10.04</a:t>
             </a:r>
             <a:endParaRPr lang="th-TH" dirty="0"/>
           </a:p>
@@ -14205,7 +14205,7 @@
           <a:p>
             <a:r>
               <a:rPr lang="th-TH"/>
-              <a:t>2561.10.02</a:t>
+              <a:t>2562.10.04</a:t>
             </a:r>
             <a:endParaRPr lang="th-TH" dirty="0"/>
           </a:p>
@@ -14572,7 +14572,7 @@
           <a:p>
             <a:r>
               <a:rPr lang="th-TH"/>
-              <a:t>2561.10.02</a:t>
+              <a:t>2562.10.04</a:t>
             </a:r>
             <a:endParaRPr lang="th-TH" dirty="0"/>
           </a:p>
@@ -14918,7 +14918,7 @@
           <a:p>
             <a:r>
               <a:rPr lang="th-TH"/>
-              <a:t>2561.10.02</a:t>
+              <a:t>2562.10.04</a:t>
             </a:r>
             <a:endParaRPr lang="th-TH" dirty="0"/>
           </a:p>
@@ -15143,7 +15143,7 @@
           <a:p>
             <a:r>
               <a:rPr lang="th-TH"/>
-              <a:t>2561.10.02</a:t>
+              <a:t>2562.10.04</a:t>
             </a:r>
             <a:endParaRPr lang="th-TH" dirty="0"/>
           </a:p>
@@ -15565,7 +15565,7 @@
           <a:p>
             <a:r>
               <a:rPr lang="th-TH"/>
-              <a:t>2561.10.02</a:t>
+              <a:t>2562.10.04</a:t>
             </a:r>
             <a:endParaRPr lang="th-TH" dirty="0"/>
           </a:p>
@@ -15908,7 +15908,7 @@
           <a:p>
             <a:r>
               <a:rPr lang="th-TH"/>
-              <a:t>2561.10.02</a:t>
+              <a:t>2562.10.04</a:t>
             </a:r>
             <a:endParaRPr lang="th-TH" dirty="0"/>
           </a:p>
@@ -16179,7 +16179,7 @@
           <a:p>
             <a:r>
               <a:rPr lang="th-TH"/>
-              <a:t>2561.10.02</a:t>
+              <a:t>2562.10.04</a:t>
             </a:r>
             <a:endParaRPr lang="th-TH" dirty="0"/>
           </a:p>
@@ -16365,7 +16365,7 @@
           <a:p>
             <a:r>
               <a:rPr lang="th-TH"/>
-              <a:t>2561.10.02</a:t>
+              <a:t>2562.10.04</a:t>
             </a:r>
             <a:endParaRPr lang="th-TH" dirty="0"/>
           </a:p>
@@ -16546,7 +16546,7 @@
           <a:p>
             <a:r>
               <a:rPr lang="th-TH"/>
-              <a:t>2561.10.02</a:t>
+              <a:t>2562.10.04</a:t>
             </a:r>
             <a:endParaRPr lang="th-TH" dirty="0"/>
           </a:p>
@@ -16826,7 +16826,7 @@
           <a:p>
             <a:r>
               <a:rPr lang="th-TH"/>
-              <a:t>2561.10.02</a:t>
+              <a:t>2562.10.04</a:t>
             </a:r>
             <a:endParaRPr lang="th-TH" dirty="0"/>
           </a:p>
@@ -17005,7 +17005,7 @@
           <a:p>
             <a:r>
               <a:rPr lang="th-TH"/>
-              <a:t>2561.10.02</a:t>
+              <a:t>2562.10.04</a:t>
             </a:r>
             <a:endParaRPr lang="th-TH" dirty="0"/>
           </a:p>
@@ -17184,7 +17184,7 @@
           <a:p>
             <a:r>
               <a:rPr lang="th-TH"/>
-              <a:t>2561.10.02</a:t>
+              <a:t>2562.10.04</a:t>
             </a:r>
             <a:endParaRPr lang="th-TH" dirty="0"/>
           </a:p>
@@ -17564,7 +17564,7 @@
           <a:p>
             <a:r>
               <a:rPr lang="th-TH"/>
-              <a:t>2561.10.02</a:t>
+              <a:t>2562.10.04</a:t>
             </a:r>
             <a:endParaRPr lang="th-TH" dirty="0"/>
           </a:p>
@@ -17801,7 +17801,7 @@
           <a:p>
             <a:r>
               <a:rPr lang="th-TH"/>
-              <a:t>2561.10.02</a:t>
+              <a:t>2562.10.04</a:t>
             </a:r>
             <a:endParaRPr lang="th-TH" dirty="0"/>
           </a:p>
@@ -18085,7 +18085,7 @@
           <a:p>
             <a:r>
               <a:rPr lang="th-TH"/>
-              <a:t>2561.10.02</a:t>
+              <a:t>2562.10.04</a:t>
             </a:r>
             <a:endParaRPr lang="th-TH" dirty="0"/>
           </a:p>
@@ -18384,7 +18384,7 @@
           <a:p>
             <a:r>
               <a:rPr lang="th-TH"/>
-              <a:t>2561.10.02</a:t>
+              <a:t>2562.10.04</a:t>
             </a:r>
             <a:endParaRPr lang="th-TH" dirty="0"/>
           </a:p>
@@ -18570,7 +18570,7 @@
           <a:p>
             <a:r>
               <a:rPr lang="th-TH"/>
-              <a:t>2561.10.02</a:t>
+              <a:t>2562.10.04</a:t>
             </a:r>
             <a:endParaRPr lang="th-TH" dirty="0"/>
           </a:p>
@@ -18931,7 +18931,7 @@
           <a:p>
             <a:r>
               <a:rPr lang="th-TH"/>
-              <a:t>2561.10.02</a:t>
+              <a:t>2562.10.04</a:t>
             </a:r>
             <a:endParaRPr lang="th-TH" dirty="0"/>
           </a:p>
@@ -19201,7 +19201,7 @@
           <a:p>
             <a:r>
               <a:rPr lang="th-TH"/>
-              <a:t>2561.10.02</a:t>
+              <a:t>2562.10.04</a:t>
             </a:r>
             <a:endParaRPr lang="th-TH" dirty="0"/>
           </a:p>
@@ -19387,7 +19387,7 @@
           <a:p>
             <a:r>
               <a:rPr lang="th-TH"/>
-              <a:t>2561.10.02</a:t>
+              <a:t>2562.10.04</a:t>
             </a:r>
             <a:endParaRPr lang="th-TH" dirty="0"/>
           </a:p>
@@ -19534,7 +19534,7 @@
           <a:p>
             <a:r>
               <a:rPr lang="th-TH"/>
-              <a:t>2561.10.02</a:t>
+              <a:t>2562.10.04</a:t>
             </a:r>
             <a:endParaRPr lang="th-TH" dirty="0"/>
           </a:p>
@@ -19845,7 +19845,7 @@
           <a:p>
             <a:r>
               <a:rPr lang="th-TH"/>
-              <a:t>2561.10.02</a:t>
+              <a:t>2562.10.04</a:t>
             </a:r>
             <a:endParaRPr lang="th-TH" dirty="0"/>
           </a:p>
@@ -20181,7 +20181,7 @@
           <a:p>
             <a:r>
               <a:rPr lang="th-TH"/>
-              <a:t>2561.10.02</a:t>
+              <a:t>2562.10.04</a:t>
             </a:r>
             <a:endParaRPr lang="th-TH" dirty="0"/>
           </a:p>
@@ -20385,7 +20385,7 @@
           <a:p>
             <a:r>
               <a:rPr lang="th-TH"/>
-              <a:t>2561.10.02</a:t>
+              <a:t>2562.10.04</a:t>
             </a:r>
             <a:endParaRPr lang="th-TH" dirty="0"/>
           </a:p>
@@ -20753,7 +20753,7 @@
           <a:p>
             <a:r>
               <a:rPr lang="th-TH"/>
-              <a:t>2561.10.02</a:t>
+              <a:t>2562.10.04</a:t>
             </a:r>
             <a:endParaRPr lang="th-TH" dirty="0"/>
           </a:p>
@@ -20928,7 +20928,7 @@
           <a:p>
             <a:r>
               <a:rPr lang="th-TH"/>
-              <a:t>2561.10.02</a:t>
+              <a:t>2562.10.04</a:t>
             </a:r>
             <a:endParaRPr lang="th-TH" dirty="0"/>
           </a:p>
@@ -21183,7 +21183,7 @@
           <a:p>
             <a:r>
               <a:rPr lang="th-TH"/>
-              <a:t>2561.10.02</a:t>
+              <a:t>2562.10.04</a:t>
             </a:r>
             <a:endParaRPr lang="th-TH" dirty="0"/>
           </a:p>
@@ -21392,7 +21392,7 @@
           <a:p>
             <a:r>
               <a:rPr lang="th-TH"/>
-              <a:t>2561.10.02</a:t>
+              <a:t>2562.10.04</a:t>
             </a:r>
             <a:endParaRPr lang="th-TH" dirty="0"/>
           </a:p>
@@ -21642,7 +21642,7 @@
           <a:p>
             <a:r>
               <a:rPr lang="th-TH"/>
-              <a:t>2561.10.02</a:t>
+              <a:t>2562.10.04</a:t>
             </a:r>
             <a:endParaRPr lang="th-TH" dirty="0"/>
           </a:p>

--- a/Slides/Week 08 Software Design.pptx
+++ b/Slides/Week 08 Software Design.pptx
@@ -14354,12 +14354,122 @@
           <a:p>
             <a:pPr marL="512763" indent="-512763"/>
             <a:r>
+              <a:rPr lang="th-TH" dirty="0">
+                <a:solidFill>
+                  <a:srgbClr val="3366FF"/>
+                </a:solidFill>
+              </a:rPr>
+              <a:t>ระบบ </a:t>
+            </a:r>
+            <a:r>
+              <a:rPr lang="en-US" dirty="0">
+                <a:solidFill>
+                  <a:srgbClr val="3366FF"/>
+                </a:solidFill>
+              </a:rPr>
+              <a:t>Application </a:t>
+            </a:r>
+            <a:r>
+              <a:rPr lang="th-TH" dirty="0">
+                <a:solidFill>
+                  <a:srgbClr val="3366FF"/>
+                </a:solidFill>
+              </a:rPr>
+              <a:t>ได้รับการออกแบบเพื่อตอบสนองความต้องการขององค์กร</a:t>
+            </a:r>
+          </a:p>
+          <a:p>
+            <a:pPr marL="512763" indent="-512763"/>
+            <a:r>
+              <a:rPr lang="th-TH" dirty="0">
+                <a:solidFill>
+                  <a:srgbClr val="3366FF"/>
+                </a:solidFill>
+              </a:rPr>
+              <a:t>โดยส่วนใหญ่ระบบธุรกิจจะมีกิจกรรมที่เหมือน ๆ กัน  </a:t>
+            </a:r>
+          </a:p>
+          <a:p>
+            <a:pPr marL="969963" lvl="1" indent="-512763"/>
+            <a:r>
+              <a:rPr lang="th-TH" dirty="0">
+                <a:solidFill>
+                  <a:srgbClr val="CC0066"/>
+                </a:solidFill>
+              </a:rPr>
+              <a:t>ระบบ</a:t>
+            </a:r>
+            <a:r>
+              <a:rPr lang="en-US" dirty="0">
+                <a:solidFill>
+                  <a:srgbClr val="CC0066"/>
+                </a:solidFill>
+              </a:rPr>
+              <a:t> application </a:t>
+            </a:r>
+            <a:r>
+              <a:rPr lang="th-TH" dirty="0">
+                <a:solidFill>
+                  <a:srgbClr val="CC0066"/>
+                </a:solidFill>
+              </a:rPr>
+              <a:t>มักมีสถาปัตยกรรมที่สะท้อนถึงความ</a:t>
+            </a:r>
+            <a:r>
               <a:rPr lang="th-TH">
                 <a:solidFill>
-                  <a:srgbClr val="3366FF"/>
-                </a:solidFill>
-              </a:rPr>
-              <a:t>ระบบ </a:t>
+                  <a:srgbClr val="CC0066"/>
+                </a:solidFill>
+              </a:rPr>
+              <a:t>ต้องการของผู้ใช้</a:t>
+            </a:r>
+            <a:endParaRPr lang="th-TH" dirty="0">
+              <a:solidFill>
+                <a:srgbClr val="CC0066"/>
+              </a:solidFill>
+            </a:endParaRPr>
+          </a:p>
+          <a:p>
+            <a:pPr marL="512763" indent="-512763"/>
+            <a:r>
+              <a:rPr lang="th-TH" dirty="0">
+                <a:solidFill>
+                  <a:srgbClr val="3366FF"/>
+                </a:solidFill>
+              </a:rPr>
+              <a:t>สถาปัตยกรรมแอ</a:t>
+            </a:r>
+            <a:r>
+              <a:rPr lang="th-TH" dirty="0" err="1">
+                <a:solidFill>
+                  <a:srgbClr val="3366FF"/>
+                </a:solidFill>
+              </a:rPr>
+              <a:t>็พ</a:t>
+            </a:r>
+            <a:r>
+              <a:rPr lang="th-TH" dirty="0">
+                <a:solidFill>
+                  <a:srgbClr val="3366FF"/>
+                </a:solidFill>
+              </a:rPr>
+              <a:t>พลิ</a:t>
+            </a:r>
+            <a:r>
+              <a:rPr lang="th-TH" dirty="0" err="1">
+                <a:solidFill>
+                  <a:srgbClr val="3366FF"/>
+                </a:solidFill>
+              </a:rPr>
+              <a:t>เค</a:t>
+            </a:r>
+            <a:r>
+              <a:rPr lang="th-TH" dirty="0">
+                <a:solidFill>
+                  <a:srgbClr val="3366FF"/>
+                </a:solidFill>
+              </a:rPr>
+              <a:t>ชันทั่วไป</a:t>
             </a:r>
             <a:r>
               <a:rPr lang="en-US" dirty="0">
@@ -14367,148 +14477,19 @@
                   <a:srgbClr val="3366FF"/>
                 </a:solidFill>
               </a:rPr>
-              <a:t>Application </a:t>
-            </a:r>
-            <a:r>
-              <a:rPr lang="th-TH" dirty="0">
-                <a:solidFill>
-                  <a:srgbClr val="3366FF"/>
-                </a:solidFill>
-              </a:rPr>
-              <a:t>ได้รับการออกแบบเพื่อตอบสนองความต้องการขององค์กร</a:t>
-            </a:r>
-          </a:p>
-          <a:p>
-            <a:pPr marL="512763" indent="-512763"/>
-            <a:r>
-              <a:rPr lang="th-TH" dirty="0">
-                <a:solidFill>
-                  <a:srgbClr val="3366FF"/>
-                </a:solidFill>
-              </a:rPr>
-              <a:t>โดยส่วนใหญ่ระบบธุรกิจจะมีกิจกรรมที่เหมือน ๆ กัน  </a:t>
-            </a:r>
-          </a:p>
-          <a:p>
-            <a:pPr marL="969963" lvl="1" indent="-512763"/>
-            <a:r>
-              <a:rPr lang="th-TH">
-                <a:solidFill>
-                  <a:srgbClr val="CC0066"/>
-                </a:solidFill>
-              </a:rPr>
-              <a:t>ระบบ</a:t>
+              <a:t> (generic application architecture) </a:t>
+            </a:r>
+            <a:r>
+              <a:rPr lang="th-TH" dirty="0">
+                <a:solidFill>
+                  <a:srgbClr val="3366FF"/>
+                </a:solidFill>
+              </a:rPr>
+              <a:t>เป็นสถาปัตยกรรมที่สามารถ </a:t>
             </a:r>
             <a:r>
               <a:rPr lang="en-US" dirty="0">
                 <a:solidFill>
-                  <a:srgbClr val="CC0066"/>
-                </a:solidFill>
-              </a:rPr>
-              <a:t> application </a:t>
-            </a:r>
-            <a:r>
-              <a:rPr lang="th-TH" dirty="0">
-                <a:solidFill>
-                  <a:srgbClr val="CC0066"/>
-                </a:solidFill>
-              </a:rPr>
-              <a:t>มักมีสถาปัตยกรรมที่สะท้อนถึงความต้องการของ</a:t>
-            </a:r>
-          </a:p>
-          <a:p>
-            <a:pPr marL="512763" indent="-512763"/>
-            <a:r>
-              <a:rPr lang="th-TH" dirty="0">
-                <a:solidFill>
-                  <a:srgbClr val="3366FF"/>
-                </a:solidFill>
-              </a:rPr>
-              <a:t>สถาปัตยกรรมแอ</a:t>
-            </a:r>
-            <a:r>
-              <a:rPr lang="th-TH" dirty="0" err="1">
-                <a:solidFill>
-                  <a:srgbClr val="3366FF"/>
-                </a:solidFill>
-              </a:rPr>
-              <a:t>็พ</a:t>
-            </a:r>
-            <a:r>
-              <a:rPr lang="th-TH" dirty="0">
-                <a:solidFill>
-                  <a:srgbClr val="3366FF"/>
-                </a:solidFill>
-              </a:rPr>
-              <a:t>พลิ</a:t>
-            </a:r>
-            <a:r>
-              <a:rPr lang="th-TH" dirty="0" err="1">
-                <a:solidFill>
-                  <a:srgbClr val="3366FF"/>
-                </a:solidFill>
-              </a:rPr>
-              <a:t>เค</a:t>
-            </a:r>
-            <a:r>
-              <a:rPr lang="th-TH">
-                <a:solidFill>
-                  <a:srgbClr val="3366FF"/>
-                </a:solidFill>
-              </a:rPr>
-              <a:t>ชันทั่วไป</a:t>
-            </a:r>
-            <a:r>
-              <a:rPr lang="en-US">
-                <a:solidFill>
-                  <a:srgbClr val="3366FF"/>
-                </a:solidFill>
-              </a:rPr>
-              <a:t> (</a:t>
-            </a:r>
-            <a:r>
-              <a:rPr lang="en-US" dirty="0">
-                <a:solidFill>
-                  <a:srgbClr val="3366FF"/>
-                </a:solidFill>
-              </a:rPr>
-              <a:t>generic </a:t>
-            </a:r>
-            <a:r>
-              <a:rPr lang="en-US">
-                <a:solidFill>
-                  <a:srgbClr val="3366FF"/>
-                </a:solidFill>
-              </a:rPr>
-              <a:t>application architecture</a:t>
-            </a:r>
-            <a:r>
-              <a:rPr lang="en-US" dirty="0">
-                <a:solidFill>
-                  <a:srgbClr val="3366FF"/>
-                </a:solidFill>
-              </a:rPr>
-              <a:t>) </a:t>
-            </a:r>
-            <a:r>
-              <a:rPr lang="th-TH" dirty="0">
-                <a:solidFill>
-                  <a:srgbClr val="3366FF"/>
-                </a:solidFill>
-              </a:rPr>
-              <a:t>เป็นสถาปัตยกรรมที่</a:t>
-            </a:r>
-            <a:r>
-              <a:rPr lang="th-TH">
-                <a:solidFill>
-                  <a:srgbClr val="3366FF"/>
-                </a:solidFill>
-              </a:rPr>
-              <a:t>สามารถ </a:t>
-            </a:r>
-            <a:r>
-              <a:rPr lang="en-US" dirty="0">
-                <a:solidFill>
                   <a:srgbClr val="3366FF"/>
                 </a:solidFill>
               </a:rPr>
@@ -14520,15 +14501,7 @@
                   <a:srgbClr val="3366FF"/>
                 </a:solidFill>
               </a:rPr>
-              <a:t>ระบบให้</a:t>
-            </a:r>
-            <a:r>
-              <a:rPr lang="th-TH">
-                <a:solidFill>
-                  <a:srgbClr val="3366FF"/>
-                </a:solidFill>
-              </a:rPr>
-              <a:t>เข้ากับ</a:t>
+              <a:t>ระบบให้เข้ากับ</a:t>
             </a:r>
             <a:r>
               <a:rPr lang="en-US" dirty="0">
